--- a/assembly/pictures/pdf/24tilefactory.pptx
+++ b/assembly/pictures/pdf/24tilefactory.pptx
@@ -7,7 +7,7 @@
   <p:sldIdLst>
     <p:sldId id="256" r:id="rId2"/>
   </p:sldIdLst>
-  <p:sldSz cx="8504238" cy="2193925"/>
+  <p:sldSz cx="8504238" cy="2011363"/>
   <p:notesSz cx="6858000" cy="9144000"/>
   <p:defaultTextStyle>
     <a:defPPr>
@@ -136,8 +136,8 @@
         </p:nvSpPr>
         <p:spPr>
           <a:xfrm>
-            <a:off x="637818" y="681539"/>
-            <a:ext cx="7228602" cy="470273"/>
+            <a:off x="637818" y="624827"/>
+            <a:ext cx="7228602" cy="431141"/>
           </a:xfrm>
         </p:spPr>
         <p:txBody>
@@ -164,8 +164,8 @@
         </p:nvSpPr>
         <p:spPr>
           <a:xfrm>
-            <a:off x="1275640" y="1243224"/>
-            <a:ext cx="5952967" cy="560671"/>
+            <a:off x="1275642" y="1139773"/>
+            <a:ext cx="5952967" cy="514016"/>
           </a:xfrm>
         </p:spPr>
         <p:txBody>
@@ -548,8 +548,8 @@
         </p:nvSpPr>
         <p:spPr>
           <a:xfrm>
-            <a:off x="6165578" y="35048"/>
-            <a:ext cx="1913453" cy="749082"/>
+            <a:off x="6165580" y="32132"/>
+            <a:ext cx="1913453" cy="686749"/>
           </a:xfrm>
         </p:spPr>
         <p:txBody>
@@ -576,8 +576,8 @@
         </p:nvSpPr>
         <p:spPr>
           <a:xfrm>
-            <a:off x="425216" y="35048"/>
-            <a:ext cx="5598623" cy="749082"/>
+            <a:off x="425218" y="32132"/>
+            <a:ext cx="5598623" cy="686749"/>
           </a:xfrm>
         </p:spPr>
         <p:txBody>
@@ -898,8 +898,8 @@
         </p:nvSpPr>
         <p:spPr>
           <a:xfrm>
-            <a:off x="671776" y="1409802"/>
-            <a:ext cx="7228602" cy="435739"/>
+            <a:off x="671776" y="1292489"/>
+            <a:ext cx="7228602" cy="399480"/>
           </a:xfrm>
         </p:spPr>
         <p:txBody>
@@ -930,8 +930,8 @@
         </p:nvSpPr>
         <p:spPr>
           <a:xfrm>
-            <a:off x="671776" y="929878"/>
-            <a:ext cx="7228602" cy="479923"/>
+            <a:off x="671776" y="852501"/>
+            <a:ext cx="7228602" cy="439988"/>
           </a:xfrm>
         </p:spPr>
         <p:txBody>
@@ -1167,8 +1167,8 @@
         </p:nvSpPr>
         <p:spPr>
           <a:xfrm>
-            <a:off x="425216" y="204666"/>
-            <a:ext cx="3756039" cy="579460"/>
+            <a:off x="425218" y="187635"/>
+            <a:ext cx="3756039" cy="531242"/>
           </a:xfrm>
         </p:spPr>
         <p:txBody>
@@ -1252,8 +1252,8 @@
         </p:nvSpPr>
         <p:spPr>
           <a:xfrm>
-            <a:off x="4322991" y="204666"/>
-            <a:ext cx="3756039" cy="579460"/>
+            <a:off x="4322993" y="187635"/>
+            <a:ext cx="3756039" cy="531242"/>
           </a:xfrm>
         </p:spPr>
         <p:txBody>
@@ -1432,8 +1432,8 @@
         </p:nvSpPr>
         <p:spPr>
           <a:xfrm>
-            <a:off x="425216" y="87859"/>
-            <a:ext cx="7653815" cy="365654"/>
+            <a:off x="425218" y="80548"/>
+            <a:ext cx="7653815" cy="335227"/>
           </a:xfrm>
         </p:spPr>
         <p:txBody>
@@ -1464,8 +1464,8 @@
         </p:nvSpPr>
         <p:spPr>
           <a:xfrm>
-            <a:off x="425213" y="491098"/>
-            <a:ext cx="3757516" cy="204665"/>
+            <a:off x="425213" y="450233"/>
+            <a:ext cx="3757516" cy="187635"/>
           </a:xfrm>
         </p:spPr>
         <p:txBody>
@@ -1529,8 +1529,8 @@
         </p:nvSpPr>
         <p:spPr>
           <a:xfrm>
-            <a:off x="425213" y="695761"/>
-            <a:ext cx="3757516" cy="1264045"/>
+            <a:off x="425213" y="637865"/>
+            <a:ext cx="3757516" cy="1158861"/>
           </a:xfrm>
         </p:spPr>
         <p:txBody>
@@ -1614,8 +1614,8 @@
         </p:nvSpPr>
         <p:spPr>
           <a:xfrm>
-            <a:off x="4320042" y="491098"/>
-            <a:ext cx="3758991" cy="204665"/>
+            <a:off x="4320044" y="450233"/>
+            <a:ext cx="3758991" cy="187635"/>
           </a:xfrm>
         </p:spPr>
         <p:txBody>
@@ -1679,8 +1679,8 @@
         </p:nvSpPr>
         <p:spPr>
           <a:xfrm>
-            <a:off x="4320042" y="695761"/>
-            <a:ext cx="3758991" cy="1264045"/>
+            <a:off x="4320044" y="637865"/>
+            <a:ext cx="3758991" cy="1158861"/>
           </a:xfrm>
         </p:spPr>
         <p:txBody>
@@ -2072,8 +2072,8 @@
         </p:nvSpPr>
         <p:spPr>
           <a:xfrm>
-            <a:off x="425221" y="87352"/>
-            <a:ext cx="2797835" cy="371747"/>
+            <a:off x="425223" y="80085"/>
+            <a:ext cx="2797835" cy="340813"/>
           </a:xfrm>
         </p:spPr>
         <p:txBody>
@@ -2104,8 +2104,8 @@
         </p:nvSpPr>
         <p:spPr>
           <a:xfrm>
-            <a:off x="3324921" y="87356"/>
-            <a:ext cx="4754106" cy="1872455"/>
+            <a:off x="3324921" y="80088"/>
+            <a:ext cx="4754106" cy="1716644"/>
           </a:xfrm>
         </p:spPr>
         <p:txBody>
@@ -2189,8 +2189,8 @@
         </p:nvSpPr>
         <p:spPr>
           <a:xfrm>
-            <a:off x="425221" y="459101"/>
-            <a:ext cx="2797835" cy="1500705"/>
+            <a:off x="425223" y="420900"/>
+            <a:ext cx="2797835" cy="1375827"/>
           </a:xfrm>
         </p:spPr>
         <p:txBody>
@@ -2349,8 +2349,8 @@
         </p:nvSpPr>
         <p:spPr>
           <a:xfrm>
-            <a:off x="1666895" y="1535748"/>
-            <a:ext cx="5102543" cy="181305"/>
+            <a:off x="1666897" y="1407956"/>
+            <a:ext cx="5102543" cy="166218"/>
           </a:xfrm>
         </p:spPr>
         <p:txBody>
@@ -2381,8 +2381,8 @@
         </p:nvSpPr>
         <p:spPr>
           <a:xfrm>
-            <a:off x="1666895" y="196036"/>
-            <a:ext cx="5102543" cy="1316355"/>
+            <a:off x="1666897" y="179724"/>
+            <a:ext cx="5102543" cy="1206818"/>
           </a:xfrm>
         </p:spPr>
         <p:txBody>
@@ -2442,8 +2442,8 @@
         </p:nvSpPr>
         <p:spPr>
           <a:xfrm>
-            <a:off x="1666895" y="1717051"/>
-            <a:ext cx="5102543" cy="257482"/>
+            <a:off x="1666897" y="1574171"/>
+            <a:ext cx="5102543" cy="236056"/>
           </a:xfrm>
         </p:spPr>
         <p:txBody>
@@ -2607,8 +2607,8 @@
         </p:nvSpPr>
         <p:spPr>
           <a:xfrm>
-            <a:off x="425216" y="87859"/>
-            <a:ext cx="7653815" cy="365654"/>
+            <a:off x="425218" y="80548"/>
+            <a:ext cx="7653815" cy="335227"/>
           </a:xfrm>
           <a:prstGeom prst="rect">
             <a:avLst/>
@@ -2640,8 +2640,8 @@
         </p:nvSpPr>
         <p:spPr>
           <a:xfrm>
-            <a:off x="425216" y="511921"/>
-            <a:ext cx="7653815" cy="1447889"/>
+            <a:off x="425218" y="469324"/>
+            <a:ext cx="7653815" cy="1327406"/>
           </a:xfrm>
           <a:prstGeom prst="rect">
             <a:avLst/>
@@ -2702,8 +2702,8 @@
         </p:nvSpPr>
         <p:spPr>
           <a:xfrm>
-            <a:off x="425212" y="2033445"/>
-            <a:ext cx="1984322" cy="116806"/>
+            <a:off x="425212" y="1864237"/>
+            <a:ext cx="1984322" cy="107087"/>
           </a:xfrm>
           <a:prstGeom prst="rect">
             <a:avLst/>
@@ -2743,8 +2743,8 @@
         </p:nvSpPr>
         <p:spPr>
           <a:xfrm>
-            <a:off x="2905619" y="2033445"/>
-            <a:ext cx="2693009" cy="116806"/>
+            <a:off x="2905621" y="1864237"/>
+            <a:ext cx="2693009" cy="107087"/>
           </a:xfrm>
           <a:prstGeom prst="rect">
             <a:avLst/>
@@ -2780,8 +2780,8 @@
         </p:nvSpPr>
         <p:spPr>
           <a:xfrm>
-            <a:off x="6094704" y="2033445"/>
-            <a:ext cx="1984322" cy="116806"/>
+            <a:off x="6094704" y="1864237"/>
+            <a:ext cx="1984322" cy="107087"/>
           </a:xfrm>
           <a:prstGeom prst="rect">
             <a:avLst/>
@@ -3102,7 +3102,7 @@
       </p:grpSpPr>
       <p:pic>
         <p:nvPicPr>
-          <p:cNvPr id="13" name="Picture 12" descr="24tileFactoryBlank.pdf"/>
+          <p:cNvPr id="10" name="Picture 9" descr="24tileFactoryBlank.pdf"/>
           <p:cNvPicPr>
             <a:picLocks noChangeAspect="1"/>
           </p:cNvPicPr>
@@ -3116,13 +3116,13 @@
               </a:ext>
             </a:extLst>
           </a:blip>
-          <a:srcRect t="36585" b="43656"/>
+          <a:srcRect l="13441" t="41667" r="11643" b="39815"/>
           <a:stretch/>
         </p:blipFill>
         <p:spPr>
           <a:xfrm>
-            <a:off x="4" y="10159"/>
-            <a:ext cx="8504234" cy="2174568"/>
+            <a:off x="-291462" y="-221221"/>
+            <a:ext cx="8978585" cy="2872213"/>
           </a:xfrm>
           <a:prstGeom prst="rect">
             <a:avLst/>
@@ -3131,13 +3131,13 @@
       </p:pic>
       <p:sp>
         <p:nvSpPr>
-          <p:cNvPr id="14" name="Rectangle 13"/>
+          <p:cNvPr id="11" name="Rectangle 10"/>
           <p:cNvSpPr/>
           <p:nvPr/>
         </p:nvSpPr>
         <p:spPr>
           <a:xfrm>
-            <a:off x="4" y="695112"/>
+            <a:off x="4" y="481815"/>
             <a:ext cx="1536696" cy="1489605"/>
           </a:xfrm>
           <a:prstGeom prst="rect">
@@ -3176,7 +3176,7 @@
       </p:sp>
       <p:pic>
         <p:nvPicPr>
-          <p:cNvPr id="15" name="Picture 14" descr="24TileShape.pdf"/>
+          <p:cNvPr id="12" name="Picture 11" descr="24TileShape.pdf"/>
           <p:cNvPicPr>
             <a:picLocks noChangeAspect="1"/>
           </p:cNvPicPr>
@@ -3195,7 +3195,7 @@
         </p:blipFill>
         <p:spPr>
           <a:xfrm>
-            <a:off x="4" y="695112"/>
+            <a:off x="4" y="491972"/>
             <a:ext cx="1536696" cy="1509910"/>
           </a:xfrm>
           <a:prstGeom prst="rect">
